--- a/ITEC-876  GroupE_MajorProject#2.pptx
+++ b/ITEC-876  GroupE_MajorProject#2.pptx
@@ -4882,35 +4882,6 @@
           </a:p>
         </p:txBody>
       </p:sp>
-      <p:pic>
-        <p:nvPicPr>
-          <p:cNvPr id="5" name="Content Placeholder 4" descr="A picture containing meter, drawing&#10;&#10;Description automatically generated">
-            <a:extLst>
-              <a:ext uri="{FF2B5EF4-FFF2-40B4-BE49-F238E27FC236}">
-                <a16:creationId xmlns:a16="http://schemas.microsoft.com/office/drawing/2014/main" id="{8174C03F-9544-40EC-B314-C3787A04AAD3}"/>
-              </a:ext>
-            </a:extLst>
-          </p:cNvPr>
-          <p:cNvPicPr>
-            <a:picLocks noGrp="1" noChangeAspect="1"/>
-          </p:cNvPicPr>
-          <p:nvPr>
-            <p:ph idx="1"/>
-          </p:nvPr>
-        </p:nvPicPr>
-        <p:blipFill>
-          <a:blip r:embed="rId2"/>
-          <a:stretch>
-            <a:fillRect/>
-          </a:stretch>
-        </p:blipFill>
-        <p:spPr>
-          <a:xfrm>
-            <a:off x="1868688" y="4588642"/>
-            <a:ext cx="8413830" cy="1067686"/>
-          </a:xfrm>
-        </p:spPr>
-      </p:pic>
       <p:sp>
         <p:nvSpPr>
           <p:cNvPr id="11" name="Content Placeholder 2">
@@ -5422,7 +5393,7 @@
             </a:r>
             <a:r>
               <a:rPr lang="en-US" dirty="0"/>
-              <a:t> shows Precision which is equal to 28.4%. That means the model has 28.4% of correct predicted labels. Here </a:t>
+              <a:t> shows Precision which is equal to 28.7%. That means the model has 28.7% of correct predicted labels. Here </a:t>
             </a:r>
             <a:r>
               <a:rPr lang="en-US" dirty="0">
@@ -5473,7 +5444,7 @@
             </a:r>
             <a:r>
               <a:rPr lang="en-US" dirty="0"/>
-              <a:t> shows Recall which is equal to ~9.5%. That means 9.5% of labels are successfully predicted. Here </a:t>
+              <a:t> shows Recall which is equal to 9.6%. That means 9.6% of labels are successfully predicted. Here </a:t>
             </a:r>
             <a:r>
               <a:rPr lang="en-US" dirty="0">
@@ -5542,6 +5513,36 @@
           </a:p>
         </p:txBody>
       </p:sp>
+      <p:pic>
+        <p:nvPicPr>
+          <p:cNvPr id="7" name="Picture 6">
+            <a:extLst>
+              <a:ext uri="{FF2B5EF4-FFF2-40B4-BE49-F238E27FC236}">
+                <a16:creationId xmlns:a16="http://schemas.microsoft.com/office/drawing/2014/main" id="{86435D89-0CE7-4590-85DA-0B22D37A3E96}"/>
+              </a:ext>
+            </a:extLst>
+          </p:cNvPr>
+          <p:cNvPicPr>
+            <a:picLocks noChangeAspect="1"/>
+          </p:cNvPicPr>
+          <p:nvPr/>
+        </p:nvPicPr>
+        <p:blipFill>
+          <a:blip r:embed="rId2"/>
+          <a:stretch>
+            <a:fillRect/>
+          </a:stretch>
+        </p:blipFill>
+        <p:spPr>
+          <a:xfrm>
+            <a:off x="1889085" y="4542173"/>
+            <a:ext cx="8413830" cy="1048879"/>
+          </a:xfrm>
+          <a:prstGeom prst="rect">
+            <a:avLst/>
+          </a:prstGeom>
+        </p:spPr>
+      </p:pic>
     </p:spTree>
     <p:extLst>
       <p:ext uri="{BB962C8B-B14F-4D97-AF65-F5344CB8AC3E}">
@@ -6677,7 +6678,7 @@
             </a:r>
             <a:r>
               <a:rPr lang="en-US" sz="2000" dirty="0"/>
-              <a:t> shows Precision which is equal to ~36%.  8% more Precision than Model I.</a:t>
+              <a:t> shows Precision which is equal to 36.6%.  8% more Precision than Model I.</a:t>
             </a:r>
             <a:endParaRPr lang="en-AU" sz="2000" dirty="0"/>
           </a:p>
@@ -6695,7 +6696,7 @@
             </a:r>
             <a:r>
               <a:rPr lang="en-US" sz="2000" dirty="0"/>
-              <a:t> shows Recall which is equal to 12%. 3% more Recall than Model I.</a:t>
+              <a:t> shows Recall which is equal to 12.2%. 3% more Recall than Model I.</a:t>
             </a:r>
             <a:endParaRPr lang="en-AU" sz="2000" dirty="0"/>
           </a:p>
@@ -6703,19 +6704,17 @@
       </p:sp>
       <p:pic>
         <p:nvPicPr>
-          <p:cNvPr id="6" name="Content Placeholder 5">
+          <p:cNvPr id="3" name="Picture 2">
             <a:extLst>
               <a:ext uri="{FF2B5EF4-FFF2-40B4-BE49-F238E27FC236}">
-                <a16:creationId xmlns:a16="http://schemas.microsoft.com/office/drawing/2014/main" id="{7B81C56C-91F6-45A2-A33F-60E4081BBE1B}"/>
+                <a16:creationId xmlns:a16="http://schemas.microsoft.com/office/drawing/2014/main" id="{3D6EC654-B442-481D-8862-069FF1FB348A}"/>
               </a:ext>
             </a:extLst>
           </p:cNvPr>
           <p:cNvPicPr>
-            <a:picLocks noGrp="1" noChangeAspect="1"/>
+            <a:picLocks noChangeAspect="1"/>
           </p:cNvPicPr>
-          <p:nvPr>
-            <p:ph idx="1"/>
-          </p:nvPr>
+          <p:nvPr/>
         </p:nvPicPr>
         <p:blipFill>
           <a:blip r:embed="rId2"/>
@@ -6725,8 +6724,8 @@
         </p:blipFill>
         <p:spPr>
           <a:xfrm>
-            <a:off x="1677872" y="4412777"/>
-            <a:ext cx="8836256" cy="1057433"/>
+            <a:off x="1477962" y="4221274"/>
+            <a:ext cx="9236076" cy="839644"/>
           </a:xfrm>
           <a:prstGeom prst="rect">
             <a:avLst/>

--- a/ITEC-876  GroupE_MajorProject#2.pptx
+++ b/ITEC-876  GroupE_MajorProject#2.pptx
@@ -283,7 +283,7 @@
           <a:p>
             <a:fld id="{CA430C0A-5464-4FE4-84EB-FF9C94016DF4}" type="datetimeFigureOut">
               <a:rPr lang="en-US" smtClean="0"/>
-              <a:t>10/14/2019</a:t>
+              <a:t>10/15/2019</a:t>
             </a:fld>
             <a:endParaRPr lang="en-US" dirty="0"/>
           </a:p>
@@ -454,7 +454,7 @@
           <a:p>
             <a:fld id="{E9F9C37B-1D36-470B-8223-D6C91242EC14}" type="datetimeFigureOut">
               <a:rPr lang="en-US" smtClean="0"/>
-              <a:t>10/14/2019</a:t>
+              <a:t>10/15/2019</a:t>
             </a:fld>
             <a:endParaRPr lang="en-US" dirty="0"/>
           </a:p>
@@ -634,7 +634,7 @@
           <a:p>
             <a:fld id="{67C6F52A-A82B-47A2-A83A-8C4C91F2D59F}" type="datetimeFigureOut">
               <a:rPr lang="en-US" smtClean="0"/>
-              <a:t>10/14/2019</a:t>
+              <a:t>10/15/2019</a:t>
             </a:fld>
             <a:endParaRPr lang="en-US" dirty="0"/>
           </a:p>
@@ -804,7 +804,7 @@
           <a:p>
             <a:fld id="{F070A7B3-6521-4DCA-87E5-044747A908C1}" type="datetimeFigureOut">
               <a:rPr lang="en-US" smtClean="0"/>
-              <a:t>10/14/2019</a:t>
+              <a:t>10/15/2019</a:t>
             </a:fld>
             <a:endParaRPr lang="en-US" dirty="0"/>
           </a:p>
@@ -1073,7 +1073,7 @@
           <a:p>
             <a:fld id="{360C6404-AD6E-4860-8E75-697CA40B95DA}" type="datetimeFigureOut">
               <a:rPr lang="en-US" smtClean="0"/>
-              <a:t>10/14/2019</a:t>
+              <a:t>10/15/2019</a:t>
             </a:fld>
             <a:endParaRPr lang="en-US" dirty="0"/>
           </a:p>
@@ -1306,7 +1306,7 @@
           <a:p>
             <a:fld id="{AB134690-1557-4C89-A502-4959FE7FAD70}" type="datetimeFigureOut">
               <a:rPr lang="en-US" smtClean="0"/>
-              <a:t>10/14/2019</a:t>
+              <a:t>10/15/2019</a:t>
             </a:fld>
             <a:endParaRPr lang="en-US" dirty="0"/>
           </a:p>
@@ -1665,7 +1665,7 @@
           <a:p>
             <a:fld id="{1160EA64-D806-43AC-9DF2-F8C432F32B4C}" type="datetimeFigureOut">
               <a:rPr lang="en-US" smtClean="0"/>
-              <a:t>10/14/2019</a:t>
+              <a:t>10/15/2019</a:t>
             </a:fld>
             <a:endParaRPr lang="en-US" dirty="0"/>
           </a:p>
@@ -1808,7 +1808,7 @@
           <a:p>
             <a:fld id="{E1037C31-9E7A-4F99-8774-A0E530DE1A42}" type="datetimeFigureOut">
               <a:rPr lang="en-US" smtClean="0"/>
-              <a:t>10/14/2019</a:t>
+              <a:t>10/15/2019</a:t>
             </a:fld>
             <a:endParaRPr lang="en-US" dirty="0"/>
           </a:p>
@@ -1903,7 +1903,7 @@
           <a:p>
             <a:fld id="{C278504F-A551-4DE0-9316-4DCD1D8CC752}" type="datetimeFigureOut">
               <a:rPr lang="en-US" smtClean="0"/>
-              <a:t>10/14/2019</a:t>
+              <a:t>10/15/2019</a:t>
             </a:fld>
             <a:endParaRPr lang="en-US" dirty="0"/>
           </a:p>
@@ -2260,7 +2260,7 @@
           <a:p>
             <a:fld id="{D1BE4249-C0D0-4B06-8692-E8BB871AF643}" type="datetimeFigureOut">
               <a:rPr lang="en-US" smtClean="0"/>
-              <a:t>10/14/2019</a:t>
+              <a:t>10/15/2019</a:t>
             </a:fld>
             <a:endParaRPr lang="en-US" dirty="0"/>
           </a:p>
@@ -2617,7 +2617,7 @@
           <a:p>
             <a:fld id="{042B0DB6-F5C7-45FB-8CF3-31B45F9C2DAC}" type="datetimeFigureOut">
               <a:rPr lang="en-US" smtClean="0"/>
-              <a:t>10/14/2019</a:t>
+              <a:t>10/15/2019</a:t>
             </a:fld>
             <a:endParaRPr lang="en-US" dirty="0"/>
           </a:p>
@@ -2859,7 +2859,7 @@
           <a:p>
             <a:fld id="{1160EA64-D806-43AC-9DF2-F8C432F32B4C}" type="datetimeFigureOut">
               <a:rPr lang="en-US" smtClean="0"/>
-              <a:t>10/14/2019</a:t>
+              <a:t>10/15/2019</a:t>
             </a:fld>
             <a:endParaRPr lang="en-US" dirty="0"/>
           </a:p>
@@ -4170,7 +4170,7 @@
             <a:pPr lvl="0"/>
             <a:r>
               <a:rPr lang="en-US" sz="2000" dirty="0"/>
-              <a:t>Problems</a:t>
+              <a:t>Problems:</a:t>
             </a:r>
             <a:endParaRPr lang="en-AU" sz="2000" dirty="0"/>
           </a:p>
@@ -4178,7 +4178,7 @@
             <a:pPr lvl="1"/>
             <a:r>
               <a:rPr lang="en-US" sz="1800" dirty="0"/>
-              <a:t>Limited number of Hits to API. To be exact 300.</a:t>
+              <a:t>Limited number of Hits to API; 300 to be precise.</a:t>
             </a:r>
             <a:endParaRPr lang="en-AU" sz="1800" dirty="0"/>
           </a:p>
@@ -4186,7 +4186,7 @@
             <a:pPr lvl="1"/>
             <a:r>
               <a:rPr lang="en-US" sz="1800" dirty="0"/>
-              <a:t>So many parameters to explore in API call. For example </a:t>
+              <a:t>So many parameters to explore in an API call. For example </a:t>
             </a:r>
             <a:r>
               <a:rPr lang="en-US" sz="1800" dirty="0" err="1"/>
@@ -4218,7 +4218,7 @@
             <a:pPr lvl="0"/>
             <a:r>
               <a:rPr lang="en-US" sz="2000" dirty="0"/>
-              <a:t>Solutions</a:t>
+              <a:t>Solutions:</a:t>
             </a:r>
             <a:endParaRPr lang="en-AU" sz="2000" dirty="0"/>
           </a:p>
@@ -4242,7 +4242,7 @@
             <a:pPr lvl="1"/>
             <a:r>
               <a:rPr lang="en-US" sz="1800" dirty="0"/>
-              <a:t>After exploring all the variables we decided to use default as dates can create bias in the data.</a:t>
+              <a:t>After exploring all the variables we decided to use default parameter values as dates can create bias in the data.</a:t>
             </a:r>
             <a:endParaRPr lang="en-AU" sz="1800" dirty="0"/>
           </a:p>
@@ -4561,7 +4561,7 @@
             <a:pPr lvl="0"/>
             <a:r>
               <a:rPr lang="en-US" sz="2000" dirty="0"/>
-              <a:t>50,000 observations were collected for each domain with the labels and were stored in the CSV files.</a:t>
+              <a:t>50,000 questions were collected for each domain with their corresponding labels and were stored in CSV files.</a:t>
             </a:r>
             <a:endParaRPr lang="en-AU" sz="2000" dirty="0"/>
           </a:p>
@@ -4569,7 +4569,7 @@
             <a:pPr lvl="0"/>
             <a:r>
               <a:rPr lang="en-US" sz="2000" dirty="0"/>
-              <a:t>Three CSV files were stacked on one another to create one big CSV file containing all 150,000 observations.</a:t>
+              <a:t>Three CSV files were stacked on one another to create a composite CSV file containing all 150,000 observations.</a:t>
             </a:r>
             <a:endParaRPr lang="en-AU" sz="2000" dirty="0"/>
           </a:p>
@@ -4593,7 +4593,7 @@
             <a:pPr lvl="0"/>
             <a:r>
               <a:rPr lang="en-US" sz="2000" dirty="0"/>
-              <a:t>After shuffling the CSV file was converted into a text file as required by </a:t>
+              <a:t>After shuffling, the CSV file was converted into a text file as required by </a:t>
             </a:r>
             <a:r>
               <a:rPr lang="en-US" sz="2000" dirty="0" err="1"/>
@@ -4609,7 +4609,7 @@
             <a:pPr lvl="0"/>
             <a:r>
               <a:rPr lang="en-US" sz="2000" dirty="0"/>
-              <a:t>This text file then was split into three parts. Training(70%), Validation(20%) and Testing(10%).</a:t>
+              <a:t>The resulting text file was then split into three parts: Training(70%), Validation(20%) and Testing(10%).</a:t>
             </a:r>
             <a:endParaRPr lang="en-AU" sz="2000" dirty="0"/>
           </a:p>
@@ -5375,7 +5375,7 @@
           <a:p>
             <a:r>
               <a:rPr lang="en-US" dirty="0"/>
-              <a:t>N shows a number of observations which is ~30,000 for validation data.</a:t>
+              <a:t>N displays the number of examples - ~30,000 for validation data.</a:t>
             </a:r>
             <a:endParaRPr lang="en-AU" dirty="0"/>
           </a:p>
@@ -5841,7 +5841,7 @@
             <a:pPr lvl="0"/>
             <a:r>
               <a:rPr lang="en-US" sz="2000" dirty="0"/>
-              <a:t>The first task was to handle HTML escape characters. It is because APIs often collect data from web pages. For example HTML escape characters like &amp;#39; &amp;</a:t>
+              <a:t>The first task was to handle HTML escape characters because APIs often scrape data from web pages. For example HTML escape characters like &amp;#39; &amp;</a:t>
             </a:r>
             <a:r>
               <a:rPr lang="en-US" sz="2000" dirty="0" err="1"/>
@@ -5865,7 +5865,7 @@
             <a:pPr lvl="0"/>
             <a:r>
               <a:rPr lang="en-US" sz="2000" dirty="0"/>
-              <a:t>The second task was to remove all the punctuation and special characters found in the question except “-”, because it can be used in words like well-being, on-site and more. These words are called </a:t>
+              <a:t>The second task was to remove all the punctuations and special characters found in the question except “-”, because it can be used in words like well-being, on-site and more. These words are called </a:t>
             </a:r>
             <a:r>
               <a:rPr lang="en-AU" sz="2000" u="sng" dirty="0"/>
@@ -5880,7 +5880,7 @@
             <a:pPr lvl="0"/>
             <a:r>
               <a:rPr lang="en-AU" sz="2000" dirty="0"/>
-              <a:t>The third task was to remove all the LATEX formulas found in the questions from the STATISTICS domain. For example $x^2$ which means x</a:t>
+              <a:t>The third task was to remove all the LATEX formulas found in the questions from the STATISTICS as well as in the PHYSICS domain. For example $x^2$ which means x</a:t>
             </a:r>
             <a:r>
               <a:rPr lang="en-AU" sz="2000" baseline="30000" dirty="0"/>
@@ -6660,7 +6660,7 @@
           <a:p>
             <a:r>
               <a:rPr lang="en-US" sz="2000" dirty="0"/>
-              <a:t>N shows a number of observations which is ~30,000 for validation data.</a:t>
+              <a:t>N displays the number of examples - ~30,000 for validation data.</a:t>
             </a:r>
             <a:endParaRPr lang="en-AU" sz="2000" dirty="0"/>
           </a:p>
@@ -7050,7 +7050,7 @@
             </a:r>
             <a:r>
               <a:rPr lang="en-AU" sz="2000" dirty="0"/>
-              <a:t>Automatic hyperparameter optimization to see if it gives a better model than the model we created using our understandings.</a:t>
+              <a:t>Automatic hyperparameter optimization to see if it gives a better model.</a:t>
             </a:r>
           </a:p>
         </p:txBody>
